--- a/icons/icons.pptx
+++ b/icons/icons.pptx
@@ -285,7 +285,7 @@
           <a:lstStyle/>
           <a:p>
             <a:fld id="{4EEA0AFC-63D3-8D40-BC62-20EDAB8C8B6C}" type="datetimeFigureOut">
-              <a:t>9/24/13</a:t>
+              <a:t>10/7/13</a:t>
             </a:fld>
             <a:endParaRPr lang="de-DE"/>
           </a:p>
@@ -451,7 +451,7 @@
           <a:lstStyle/>
           <a:p>
             <a:fld id="{4EEA0AFC-63D3-8D40-BC62-20EDAB8C8B6C}" type="datetimeFigureOut">
-              <a:t>9/24/13</a:t>
+              <a:t>10/7/13</a:t>
             </a:fld>
             <a:endParaRPr lang="de-DE"/>
           </a:p>
@@ -627,7 +627,7 @@
           <a:lstStyle/>
           <a:p>
             <a:fld id="{4EEA0AFC-63D3-8D40-BC62-20EDAB8C8B6C}" type="datetimeFigureOut">
-              <a:t>9/24/13</a:t>
+              <a:t>10/7/13</a:t>
             </a:fld>
             <a:endParaRPr lang="de-DE"/>
           </a:p>
@@ -793,7 +793,7 @@
           <a:lstStyle/>
           <a:p>
             <a:fld id="{4EEA0AFC-63D3-8D40-BC62-20EDAB8C8B6C}" type="datetimeFigureOut">
-              <a:t>9/24/13</a:t>
+              <a:t>10/7/13</a:t>
             </a:fld>
             <a:endParaRPr lang="de-DE"/>
           </a:p>
@@ -1036,7 +1036,7 @@
           <a:lstStyle/>
           <a:p>
             <a:fld id="{4EEA0AFC-63D3-8D40-BC62-20EDAB8C8B6C}" type="datetimeFigureOut">
-              <a:t>9/24/13</a:t>
+              <a:t>10/7/13</a:t>
             </a:fld>
             <a:endParaRPr lang="de-DE"/>
           </a:p>
@@ -1319,7 +1319,7 @@
           <a:lstStyle/>
           <a:p>
             <a:fld id="{4EEA0AFC-63D3-8D40-BC62-20EDAB8C8B6C}" type="datetimeFigureOut">
-              <a:t>9/24/13</a:t>
+              <a:t>10/7/13</a:t>
             </a:fld>
             <a:endParaRPr lang="de-DE"/>
           </a:p>
@@ -1736,7 +1736,7 @@
           <a:lstStyle/>
           <a:p>
             <a:fld id="{4EEA0AFC-63D3-8D40-BC62-20EDAB8C8B6C}" type="datetimeFigureOut">
-              <a:t>9/24/13</a:t>
+              <a:t>10/7/13</a:t>
             </a:fld>
             <a:endParaRPr lang="de-DE"/>
           </a:p>
@@ -1851,7 +1851,7 @@
           <a:lstStyle/>
           <a:p>
             <a:fld id="{4EEA0AFC-63D3-8D40-BC62-20EDAB8C8B6C}" type="datetimeFigureOut">
-              <a:t>9/24/13</a:t>
+              <a:t>10/7/13</a:t>
             </a:fld>
             <a:endParaRPr lang="de-DE"/>
           </a:p>
@@ -1944,7 +1944,7 @@
           <a:lstStyle/>
           <a:p>
             <a:fld id="{4EEA0AFC-63D3-8D40-BC62-20EDAB8C8B6C}" type="datetimeFigureOut">
-              <a:t>9/24/13</a:t>
+              <a:t>10/7/13</a:t>
             </a:fld>
             <a:endParaRPr lang="de-DE"/>
           </a:p>
@@ -2217,7 +2217,7 @@
           <a:lstStyle/>
           <a:p>
             <a:fld id="{4EEA0AFC-63D3-8D40-BC62-20EDAB8C8B6C}" type="datetimeFigureOut">
-              <a:t>9/24/13</a:t>
+              <a:t>10/7/13</a:t>
             </a:fld>
             <a:endParaRPr lang="de-DE"/>
           </a:p>
@@ -2467,7 +2467,7 @@
           <a:lstStyle/>
           <a:p>
             <a:fld id="{4EEA0AFC-63D3-8D40-BC62-20EDAB8C8B6C}" type="datetimeFigureOut">
-              <a:t>9/24/13</a:t>
+              <a:t>10/7/13</a:t>
             </a:fld>
             <a:endParaRPr lang="de-DE"/>
           </a:p>
@@ -2676,7 +2676,7 @@
           </a:lstStyle>
           <a:p>
             <a:fld id="{4EEA0AFC-63D3-8D40-BC62-20EDAB8C8B6C}" type="datetimeFigureOut">
-              <a:t>9/24/13</a:t>
+              <a:t>10/7/13</a:t>
             </a:fld>
             <a:endParaRPr lang="de-DE"/>
           </a:p>
@@ -4892,6 +4892,409 @@
                 <a:cs typeface="Arial Black"/>
               </a:rPr>
               <a:t>C</a:t>
+            </a:r>
+          </a:p>
+        </p:txBody>
+      </p:sp>
+      <p:sp>
+        <p:nvSpPr>
+          <p:cNvPr id="53" name="Rechteck 52"/>
+          <p:cNvSpPr/>
+          <p:nvPr/>
+        </p:nvSpPr>
+        <p:spPr>
+          <a:xfrm>
+            <a:off x="3591892" y="3581595"/>
+            <a:ext cx="1787862" cy="1787840"/>
+          </a:xfrm>
+          <a:prstGeom prst="rect">
+            <a:avLst/>
+          </a:prstGeom>
+          <a:solidFill>
+            <a:schemeClr val="tx1"/>
+          </a:solidFill>
+          <a:ln w="6350">
+            <a:solidFill>
+              <a:srgbClr val="FF0000"/>
+            </a:solidFill>
+          </a:ln>
+          <a:effectLst/>
+        </p:spPr>
+        <p:style>
+          <a:lnRef idx="1">
+            <a:schemeClr val="accent1"/>
+          </a:lnRef>
+          <a:fillRef idx="3">
+            <a:schemeClr val="accent1"/>
+          </a:fillRef>
+          <a:effectRef idx="2">
+            <a:schemeClr val="accent1"/>
+          </a:effectRef>
+          <a:fontRef idx="minor">
+            <a:schemeClr val="lt1"/>
+          </a:fontRef>
+        </p:style>
+        <p:txBody>
+          <a:bodyPr rtlCol="0" anchor="ctr"/>
+          <a:lstStyle/>
+          <a:p>
+            <a:pPr algn="ctr"/>
+            <a:endParaRPr lang="de-DE"/>
+          </a:p>
+        </p:txBody>
+      </p:sp>
+      <p:sp>
+        <p:nvSpPr>
+          <p:cNvPr id="54" name="Oval 53"/>
+          <p:cNvSpPr/>
+          <p:nvPr/>
+        </p:nvSpPr>
+        <p:spPr>
+          <a:xfrm>
+            <a:off x="3658734" y="3665151"/>
+            <a:ext cx="1637669" cy="1637698"/>
+          </a:xfrm>
+          <a:prstGeom prst="ellipse">
+            <a:avLst/>
+          </a:prstGeom>
+          <a:solidFill>
+            <a:schemeClr val="bg1"/>
+          </a:solidFill>
+          <a:ln>
+            <a:noFill/>
+          </a:ln>
+          <a:effectLst>
+            <a:outerShdw blurRad="40000" dist="23000" dir="5400000" rotWithShape="0">
+              <a:schemeClr val="bg1">
+                <a:alpha val="35000"/>
+              </a:schemeClr>
+            </a:outerShdw>
+          </a:effectLst>
+        </p:spPr>
+        <p:style>
+          <a:lnRef idx="1">
+            <a:schemeClr val="accent1"/>
+          </a:lnRef>
+          <a:fillRef idx="3">
+            <a:schemeClr val="accent1"/>
+          </a:fillRef>
+          <a:effectRef idx="2">
+            <a:schemeClr val="accent1"/>
+          </a:effectRef>
+          <a:fontRef idx="minor">
+            <a:schemeClr val="lt1"/>
+          </a:fontRef>
+        </p:style>
+        <p:txBody>
+          <a:bodyPr rtlCol="0" anchor="ctr"/>
+          <a:lstStyle/>
+          <a:p>
+            <a:pPr algn="ctr"/>
+            <a:endParaRPr lang="de-DE"/>
+          </a:p>
+        </p:txBody>
+      </p:sp>
+      <p:sp>
+        <p:nvSpPr>
+          <p:cNvPr id="55" name="Oval 54"/>
+          <p:cNvSpPr/>
+          <p:nvPr/>
+        </p:nvSpPr>
+        <p:spPr>
+          <a:xfrm>
+            <a:off x="3735939" y="3733991"/>
+            <a:ext cx="1485269" cy="1485298"/>
+          </a:xfrm>
+          <a:prstGeom prst="ellipse">
+            <a:avLst/>
+          </a:prstGeom>
+          <a:solidFill>
+            <a:srgbClr val="BE9100"/>
+          </a:solidFill>
+          <a:ln>
+            <a:noFill/>
+          </a:ln>
+          <a:effectLst>
+            <a:outerShdw blurRad="40000" dist="23000" dir="5400000" rotWithShape="0">
+              <a:schemeClr val="bg1">
+                <a:alpha val="35000"/>
+              </a:schemeClr>
+            </a:outerShdw>
+          </a:effectLst>
+        </p:spPr>
+        <p:style>
+          <a:lnRef idx="1">
+            <a:schemeClr val="accent1"/>
+          </a:lnRef>
+          <a:fillRef idx="3">
+            <a:schemeClr val="accent1"/>
+          </a:fillRef>
+          <a:effectRef idx="2">
+            <a:schemeClr val="accent1"/>
+          </a:effectRef>
+          <a:fontRef idx="minor">
+            <a:schemeClr val="lt1"/>
+          </a:fontRef>
+        </p:style>
+        <p:txBody>
+          <a:bodyPr rtlCol="0" anchor="ctr"/>
+          <a:lstStyle/>
+          <a:p>
+            <a:pPr algn="ctr"/>
+            <a:endParaRPr lang="de-DE"/>
+          </a:p>
+        </p:txBody>
+      </p:sp>
+      <p:sp>
+        <p:nvSpPr>
+          <p:cNvPr id="56" name="Textfeld 55"/>
+          <p:cNvSpPr txBox="1"/>
+          <p:nvPr/>
+        </p:nvSpPr>
+        <p:spPr>
+          <a:xfrm>
+            <a:off x="693379" y="4485508"/>
+            <a:ext cx="1252917" cy="1631216"/>
+          </a:xfrm>
+          <a:prstGeom prst="rect">
+            <a:avLst/>
+          </a:prstGeom>
+          <a:noFill/>
+        </p:spPr>
+        <p:txBody>
+          <a:bodyPr wrap="none" rtlCol="0">
+            <a:spAutoFit/>
+          </a:bodyPr>
+          <a:lstStyle/>
+          <a:p>
+            <a:r>
+              <a:rPr lang="de-DE" sz="10000">
+                <a:solidFill>
+                  <a:schemeClr val="bg1"/>
+                </a:solidFill>
+                <a:latin typeface="Arial Black"/>
+                <a:cs typeface="Arial Black"/>
+              </a:rPr>
+              <a:t>U</a:t>
+            </a:r>
+          </a:p>
+        </p:txBody>
+      </p:sp>
+      <p:sp>
+        <p:nvSpPr>
+          <p:cNvPr id="57" name="Textfeld 56"/>
+          <p:cNvSpPr txBox="1"/>
+          <p:nvPr/>
+        </p:nvSpPr>
+        <p:spPr>
+          <a:xfrm>
+            <a:off x="3873222" y="3629853"/>
+            <a:ext cx="1252917" cy="1631216"/>
+          </a:xfrm>
+          <a:prstGeom prst="rect">
+            <a:avLst/>
+          </a:prstGeom>
+          <a:noFill/>
+        </p:spPr>
+        <p:txBody>
+          <a:bodyPr wrap="none" rtlCol="0">
+            <a:spAutoFit/>
+          </a:bodyPr>
+          <a:lstStyle/>
+          <a:p>
+            <a:r>
+              <a:rPr lang="de-DE" sz="10000">
+                <a:solidFill>
+                  <a:schemeClr val="bg1"/>
+                </a:solidFill>
+                <a:latin typeface="Arial Black"/>
+                <a:cs typeface="Arial Black"/>
+              </a:rPr>
+              <a:t>U</a:t>
+            </a:r>
+          </a:p>
+        </p:txBody>
+      </p:sp>
+      <p:sp>
+        <p:nvSpPr>
+          <p:cNvPr id="58" name="Rechteck 57"/>
+          <p:cNvSpPr/>
+          <p:nvPr/>
+        </p:nvSpPr>
+        <p:spPr>
+          <a:xfrm>
+            <a:off x="5387316" y="3583473"/>
+            <a:ext cx="1787862" cy="1787840"/>
+          </a:xfrm>
+          <a:prstGeom prst="rect">
+            <a:avLst/>
+          </a:prstGeom>
+          <a:solidFill>
+            <a:schemeClr val="tx1"/>
+          </a:solidFill>
+          <a:ln w="6350">
+            <a:solidFill>
+              <a:srgbClr val="FF0000"/>
+            </a:solidFill>
+          </a:ln>
+          <a:effectLst/>
+        </p:spPr>
+        <p:style>
+          <a:lnRef idx="1">
+            <a:schemeClr val="accent1"/>
+          </a:lnRef>
+          <a:fillRef idx="3">
+            <a:schemeClr val="accent1"/>
+          </a:fillRef>
+          <a:effectRef idx="2">
+            <a:schemeClr val="accent1"/>
+          </a:effectRef>
+          <a:fontRef idx="minor">
+            <a:schemeClr val="lt1"/>
+          </a:fontRef>
+        </p:style>
+        <p:txBody>
+          <a:bodyPr rtlCol="0" anchor="ctr"/>
+          <a:lstStyle/>
+          <a:p>
+            <a:pPr algn="ctr"/>
+            <a:endParaRPr lang="de-DE"/>
+          </a:p>
+        </p:txBody>
+      </p:sp>
+      <p:sp>
+        <p:nvSpPr>
+          <p:cNvPr id="59" name="Oval 58"/>
+          <p:cNvSpPr/>
+          <p:nvPr/>
+        </p:nvSpPr>
+        <p:spPr>
+          <a:xfrm>
+            <a:off x="5454158" y="3667029"/>
+            <a:ext cx="1637669" cy="1637698"/>
+          </a:xfrm>
+          <a:prstGeom prst="ellipse">
+            <a:avLst/>
+          </a:prstGeom>
+          <a:solidFill>
+            <a:schemeClr val="bg1"/>
+          </a:solidFill>
+          <a:ln>
+            <a:noFill/>
+          </a:ln>
+          <a:effectLst>
+            <a:outerShdw blurRad="40000" dist="23000" dir="5400000" rotWithShape="0">
+              <a:schemeClr val="bg1">
+                <a:alpha val="35000"/>
+              </a:schemeClr>
+            </a:outerShdw>
+          </a:effectLst>
+        </p:spPr>
+        <p:style>
+          <a:lnRef idx="1">
+            <a:schemeClr val="accent1"/>
+          </a:lnRef>
+          <a:fillRef idx="3">
+            <a:schemeClr val="accent1"/>
+          </a:fillRef>
+          <a:effectRef idx="2">
+            <a:schemeClr val="accent1"/>
+          </a:effectRef>
+          <a:fontRef idx="minor">
+            <a:schemeClr val="lt1"/>
+          </a:fontRef>
+        </p:style>
+        <p:txBody>
+          <a:bodyPr rtlCol="0" anchor="ctr"/>
+          <a:lstStyle/>
+          <a:p>
+            <a:pPr algn="ctr"/>
+            <a:endParaRPr lang="de-DE"/>
+          </a:p>
+        </p:txBody>
+      </p:sp>
+      <p:sp>
+        <p:nvSpPr>
+          <p:cNvPr id="60" name="Oval 59"/>
+          <p:cNvSpPr/>
+          <p:nvPr/>
+        </p:nvSpPr>
+        <p:spPr>
+          <a:xfrm>
+            <a:off x="5531363" y="3735869"/>
+            <a:ext cx="1485269" cy="1485298"/>
+          </a:xfrm>
+          <a:prstGeom prst="ellipse">
+            <a:avLst/>
+          </a:prstGeom>
+          <a:solidFill>
+            <a:srgbClr val="660066"/>
+          </a:solidFill>
+          <a:ln>
+            <a:noFill/>
+          </a:ln>
+          <a:effectLst>
+            <a:outerShdw blurRad="40000" dist="23000" dir="5400000" rotWithShape="0">
+              <a:schemeClr val="bg1">
+                <a:alpha val="35000"/>
+              </a:schemeClr>
+            </a:outerShdw>
+          </a:effectLst>
+        </p:spPr>
+        <p:style>
+          <a:lnRef idx="1">
+            <a:schemeClr val="accent1"/>
+          </a:lnRef>
+          <a:fillRef idx="3">
+            <a:schemeClr val="accent1"/>
+          </a:fillRef>
+          <a:effectRef idx="2">
+            <a:schemeClr val="accent1"/>
+          </a:effectRef>
+          <a:fontRef idx="minor">
+            <a:schemeClr val="lt1"/>
+          </a:fontRef>
+        </p:style>
+        <p:txBody>
+          <a:bodyPr rtlCol="0" anchor="ctr"/>
+          <a:lstStyle/>
+          <a:p>
+            <a:pPr algn="ctr"/>
+            <a:endParaRPr lang="de-DE"/>
+          </a:p>
+        </p:txBody>
+      </p:sp>
+      <p:sp>
+        <p:nvSpPr>
+          <p:cNvPr id="61" name="Textfeld 60"/>
+          <p:cNvSpPr txBox="1"/>
+          <p:nvPr/>
+        </p:nvSpPr>
+        <p:spPr>
+          <a:xfrm>
+            <a:off x="5668646" y="3631731"/>
+            <a:ext cx="1184940" cy="1631216"/>
+          </a:xfrm>
+          <a:prstGeom prst="rect">
+            <a:avLst/>
+          </a:prstGeom>
+          <a:noFill/>
+        </p:spPr>
+        <p:txBody>
+          <a:bodyPr wrap="none" rtlCol="0">
+            <a:spAutoFit/>
+          </a:bodyPr>
+          <a:lstStyle/>
+          <a:p>
+            <a:r>
+              <a:rPr lang="de-DE" sz="10000">
+                <a:solidFill>
+                  <a:schemeClr val="bg1"/>
+                </a:solidFill>
+                <a:latin typeface="Arial Black"/>
+                <a:cs typeface="Arial Black"/>
+              </a:rPr>
+              <a:t>V</a:t>
             </a:r>
           </a:p>
         </p:txBody>
